--- a/packages/introduce/课程介绍.pptx
+++ b/packages/introduce/课程介绍.pptx
@@ -8,7 +8,7 @@
     <p:notesMasterId r:id="rId4"/>
   </p:notesMasterIdLst>
   <p:handoutMasterIdLst>
-    <p:handoutMasterId r:id="rId20"/>
+    <p:handoutMasterId r:id="rId21"/>
   </p:handoutMasterIdLst>
   <p:sldIdLst>
     <p:sldId id="307" r:id="rId3"/>
@@ -20,18 +20,19 @@
     <p:sldId id="996" r:id="rId10"/>
     <p:sldId id="997" r:id="rId11"/>
     <p:sldId id="932" r:id="rId12"/>
-    <p:sldId id="963" r:id="rId13"/>
-    <p:sldId id="964" r:id="rId14"/>
-    <p:sldId id="1004" r:id="rId15"/>
-    <p:sldId id="999" r:id="rId16"/>
-    <p:sldId id="1000" r:id="rId17"/>
-    <p:sldId id="1001" r:id="rId18"/>
-    <p:sldId id="653" r:id="rId19"/>
+    <p:sldId id="1009" r:id="rId13"/>
+    <p:sldId id="963" r:id="rId14"/>
+    <p:sldId id="964" r:id="rId15"/>
+    <p:sldId id="1004" r:id="rId16"/>
+    <p:sldId id="999" r:id="rId17"/>
+    <p:sldId id="1000" r:id="rId18"/>
+    <p:sldId id="1001" r:id="rId19"/>
+    <p:sldId id="653" r:id="rId20"/>
   </p:sldIdLst>
   <p:sldSz cx="12192000" cy="6858000"/>
   <p:notesSz cx="6858000" cy="9144000"/>
   <p:custDataLst>
-    <p:tags r:id="rId24"/>
+    <p:tags r:id="rId25"/>
   </p:custDataLst>
   <p:defaultTextStyle>
     <a:defPPr>
@@ -6708,6 +6709,127 @@
               <a:buChar char="•"/>
             </a:pPr>
             <a:r>
+              <a:t>需要开发</a:t>
+            </a:r>
+            <a:r>
+              <a:rPr lang="en-US" altLang="zh-CN"/>
+              <a:t>3D</a:t>
+            </a:r>
+            <a:r>
+              <a:t>引擎</a:t>
+            </a:r>
+          </a:p>
+          <a:p>
+            <a:pPr marL="285750" indent="-285750">
+              <a:buFont typeface="Arial" panose="020B0604020202020204" pitchFamily="34" charset="0"/>
+              <a:buChar char="•"/>
+            </a:pPr>
+            <a:r>
+              <a:t>需要定制修改</a:t>
+            </a:r>
+            <a:r>
+              <a:rPr lang="en-US" altLang="zh-CN"/>
+              <a:t>3D</a:t>
+            </a:r>
+            <a:r>
+              <a:t>引擎（如写</a:t>
+            </a:r>
+            <a:r>
+              <a:rPr lang="en-US" altLang="zh-CN"/>
+              <a:t>shader</a:t>
+            </a:r>
+            <a:r>
+              <a:t>、增加渲染功能</a:t>
+            </a:r>
+            <a:r>
+              <a:t>等）</a:t>
+            </a:r>
+          </a:p>
+          <a:p>
+            <a:pPr>
+              <a:buFont typeface="Arial" panose="020B0604020202020204" pitchFamily="34" charset="0"/>
+            </a:pPr>
+          </a:p>
+          <a:p>
+            <a:pPr marL="285750" indent="-285750">
+              <a:buFont typeface="Arial" panose="020B0604020202020204" pitchFamily="34" charset="0"/>
+              <a:buChar char="•"/>
+            </a:pPr>
+          </a:p>
+          <a:p>
+            <a:pPr marL="285750" indent="-285750">
+              <a:buFont typeface="Arial" panose="020B0604020202020204" pitchFamily="34" charset="0"/>
+              <a:buChar char="•"/>
+            </a:pPr>
+          </a:p>
+        </p:txBody>
+      </p:sp>
+      <p:sp>
+        <p:nvSpPr>
+          <p:cNvPr id="3" name="标题 2"/>
+          <p:cNvSpPr>
+            <a:spLocks noGrp="1"/>
+          </p:cNvSpPr>
+          <p:nvPr>
+            <p:ph type="title"/>
+          </p:nvPr>
+        </p:nvSpPr>
+        <p:spPr/>
+        <p:txBody>
+          <a:bodyPr/>
+          <a:p>
+            <a:r>
+              <a:rPr lang="zh-CN" altLang="en-US"/>
+              <a:t>适合的</a:t>
+            </a:r>
+            <a:r>
+              <a:rPr lang="zh-CN" altLang="en-US"/>
+              <a:t>学员</a:t>
+            </a:r>
+            <a:endParaRPr lang="zh-CN" altLang="en-US"/>
+          </a:p>
+        </p:txBody>
+      </p:sp>
+    </p:spTree>
+    <p:custDataLst>
+      <p:tags r:id="rId1"/>
+    </p:custDataLst>
+  </p:cSld>
+  <p:clrMapOvr>
+    <a:masterClrMapping/>
+  </p:clrMapOvr>
+</p:sld>
+</file>
+
+<file path=ppt/slides/slide11.xml><?xml version="1.0" encoding="utf-8"?>
+<p:sld xmlns:a="http://schemas.openxmlformats.org/drawingml/2006/main" xmlns:r="http://schemas.openxmlformats.org/officeDocument/2006/relationships" xmlns:p="http://schemas.openxmlformats.org/presentationml/2006/main">
+  <p:cSld>
+    <p:spTree>
+      <p:nvGrpSpPr>
+        <p:cNvPr id="1" name=""/>
+        <p:cNvGrpSpPr/>
+        <p:nvPr/>
+      </p:nvGrpSpPr>
+      <p:grpSpPr/>
+      <p:sp>
+        <p:nvSpPr>
+          <p:cNvPr id="2" name="文本占位符 1"/>
+          <p:cNvSpPr>
+            <a:spLocks noGrp="1"/>
+          </p:cNvSpPr>
+          <p:nvPr>
+            <p:ph type="body" idx="1"/>
+          </p:nvPr>
+        </p:nvSpPr>
+        <p:spPr/>
+        <p:txBody>
+          <a:bodyPr/>
+          <a:p>
+            <a:pPr marL="285750" indent="-285750">
+              <a:buFont typeface="Arial" panose="020B0604020202020204" pitchFamily="34" charset="0"/>
+              <a:buChar char="•"/>
+            </a:pPr>
+            <a:r>
               <a:rPr lang="zh-CN" altLang="en-US"/>
               <a:t>学习</a:t>
             </a:r>
@@ -6980,7 +7102,7 @@
 </p:sld>
 </file>
 
-<file path=ppt/slides/slide11.xml><?xml version="1.0" encoding="utf-8"?>
+<file path=ppt/slides/slide12.xml><?xml version="1.0" encoding="utf-8"?>
 <p:sld xmlns:a="http://schemas.openxmlformats.org/drawingml/2006/main" xmlns:r="http://schemas.openxmlformats.org/officeDocument/2006/relationships" xmlns:p="http://schemas.openxmlformats.org/presentationml/2006/main">
   <p:cSld>
     <p:spTree>
@@ -7004,7 +7126,6 @@
         <p:txBody>
           <a:bodyPr/>
           <a:p>
-            <a:pPr/>
             <a:r>
               <a:rPr lang="zh-CN" altLang="en-US"/>
               <a:t>一、整体</a:t>
@@ -7016,7 +7137,6 @@
             <a:endParaRPr lang="zh-CN" altLang="en-US"/>
           </a:p>
           <a:p>
-            <a:pPr/>
             <a:r>
               <a:rPr lang="zh-CN" altLang="en-US"/>
               <a:t>二、学习</a:t>
@@ -7028,7 +7148,6 @@
             <a:endParaRPr lang="zh-CN" altLang="en-US"/>
           </a:p>
           <a:p>
-            <a:pPr/>
             <a:r>
               <a:rPr lang="zh-CN" altLang="en-US"/>
               <a:t>三、开发引擎</a:t>
@@ -7036,7 +7155,6 @@
             <a:endParaRPr lang="zh-CN" altLang="en-US"/>
           </a:p>
           <a:p>
-            <a:pPr/>
             <a:r>
               <a:rPr lang="zh-CN" altLang="en-US"/>
               <a:t>四、实践应用</a:t>
@@ -7304,7 +7422,7 @@
 </p:sld>
 </file>
 
-<file path=ppt/slides/slide12.xml><?xml version="1.0" encoding="utf-8"?>
+<file path=ppt/slides/slide13.xml><?xml version="1.0" encoding="utf-8"?>
 <p:sld xmlns:a="http://schemas.openxmlformats.org/drawingml/2006/main" xmlns:r="http://schemas.openxmlformats.org/officeDocument/2006/relationships" xmlns:p="http://schemas.openxmlformats.org/presentationml/2006/main">
   <p:cSld>
     <p:spTree>
@@ -7682,7 +7800,7 @@
 </p:sld>
 </file>
 
-<file path=ppt/slides/slide13.xml><?xml version="1.0" encoding="utf-8"?>
+<file path=ppt/slides/slide14.xml><?xml version="1.0" encoding="utf-8"?>
 <p:sld xmlns:a="http://schemas.openxmlformats.org/drawingml/2006/main" xmlns:r="http://schemas.openxmlformats.org/officeDocument/2006/relationships" xmlns:p="http://schemas.openxmlformats.org/presentationml/2006/main">
   <p:cSld>
     <p:spTree>
@@ -7767,7 +7885,7 @@
 </p:sld>
 </file>
 
-<file path=ppt/slides/slide14.xml><?xml version="1.0" encoding="utf-8"?>
+<file path=ppt/slides/slide15.xml><?xml version="1.0" encoding="utf-8"?>
 <p:sld xmlns:a="http://schemas.openxmlformats.org/drawingml/2006/main" xmlns:r="http://schemas.openxmlformats.org/officeDocument/2006/relationships" xmlns:p="http://schemas.openxmlformats.org/presentationml/2006/main">
   <p:cSld>
     <p:spTree>
@@ -7788,7 +7906,7 @@
 </p:sld>
 </file>
 
-<file path=ppt/slides/slide15.xml><?xml version="1.0" encoding="utf-8"?>
+<file path=ppt/slides/slide16.xml><?xml version="1.0" encoding="utf-8"?>
 <p:sld xmlns:a="http://schemas.openxmlformats.org/drawingml/2006/main" xmlns:r="http://schemas.openxmlformats.org/officeDocument/2006/relationships" xmlns:p="http://schemas.openxmlformats.org/presentationml/2006/main">
   <p:cSld>
     <p:spTree>
@@ -7855,7 +7973,7 @@
 </p:sld>
 </file>
 
-<file path=ppt/slides/slide16.xml><?xml version="1.0" encoding="utf-8"?>
+<file path=ppt/slides/slide17.xml><?xml version="1.0" encoding="utf-8"?>
 <p:sld xmlns:a="http://schemas.openxmlformats.org/drawingml/2006/main" xmlns:r="http://schemas.openxmlformats.org/officeDocument/2006/relationships" xmlns:p="http://schemas.openxmlformats.org/presentationml/2006/main">
   <p:cSld>
     <p:spTree>
@@ -7991,6 +8109,21 @@
                 <a:sym typeface="+mn-ea"/>
               </a:rPr>
               <a:t>WebGPU</a:t>
+            </a:r>
+            <a:endParaRPr lang="en-US" altLang="zh-CN">
+              <a:sym typeface="+mn-ea"/>
+            </a:endParaRPr>
+          </a:p>
+          <a:p>
+            <a:pPr marL="285750" indent="-285750">
+              <a:buFont typeface="Arial" panose="020B0604020202020204" pitchFamily="34" charset="0"/>
+              <a:buChar char="•"/>
+            </a:pPr>
+            <a:r>
+              <a:rPr>
+                <a:sym typeface="+mn-ea"/>
+              </a:rPr>
+              <a:t>适合的学员</a:t>
             </a:r>
             <a:endParaRPr lang="en-US" altLang="zh-CN">
               <a:sym typeface="+mn-ea"/>
@@ -8345,6 +8478,55 @@
                       </p:childTnLst>
                     </p:cTn>
                   </p:par>
+                  <p:par>
+                    <p:cTn id="23" fill="hold">
+                      <p:stCondLst>
+                        <p:cond delay="indefinite"/>
+                      </p:stCondLst>
+                      <p:childTnLst>
+                        <p:par>
+                          <p:cTn id="24" fill="hold">
+                            <p:stCondLst>
+                              <p:cond delay="0"/>
+                            </p:stCondLst>
+                            <p:childTnLst>
+                              <p:par>
+                                <p:cTn id="25" presetID="1" presetClass="entr" presetSubtype="0" fill="hold" nodeType="clickEffect">
+                                  <p:stCondLst>
+                                    <p:cond delay="0"/>
+                                  </p:stCondLst>
+                                  <p:childTnLst>
+                                    <p:set>
+                                      <p:cBhvr>
+                                        <p:cTn id="26" dur="1" fill="hold">
+                                          <p:stCondLst>
+                                            <p:cond delay="0"/>
+                                          </p:stCondLst>
+                                        </p:cTn>
+                                        <p:tgtEl>
+                                          <p:spTgt spid="2">
+                                            <p:txEl>
+                                              <p:pRg st="6" end="6"/>
+                                            </p:txEl>
+                                          </p:spTgt>
+                                        </p:tgtEl>
+                                        <p:attrNameLst>
+                                          <p:attrName>style.visibility</p:attrName>
+                                        </p:attrNameLst>
+                                      </p:cBhvr>
+                                      <p:to>
+                                        <p:strVal val="visible"/>
+                                      </p:to>
+                                    </p:set>
+                                  </p:childTnLst>
+                                </p:cTn>
+                              </p:par>
+                            </p:childTnLst>
+                          </p:cTn>
+                        </p:par>
+                      </p:childTnLst>
+                    </p:cTn>
+                  </p:par>
                 </p:childTnLst>
               </p:cTn>
               <p:prevCondLst>
@@ -8535,7 +8717,7 @@
             </a:pPr>
             <a:r>
               <a:rPr lang="zh-CN" altLang="en-US">
-                <a:hlinkClick r:id="rId2" tooltip="" action="ppaction://hlinkfile"/>
+                <a:hlinkClick r:id="rId2" action="ppaction://hlinkfile"/>
               </a:rPr>
               <a:t>“Wonder：Web3D引擎和编辑器”</a:t>
             </a:r>
@@ -8552,7 +8734,7 @@
             </a:pPr>
             <a:r>
               <a:rPr lang="zh-CN" altLang="en-US">
-                <a:hlinkClick r:id="rId3" tooltip="" action="ppaction://hlinkfile"/>
+                <a:hlinkClick r:id="rId3" action="ppaction://hlinkfile"/>
               </a:rPr>
               <a:t>《WebGPU学习》</a:t>
             </a:r>
@@ -8623,19 +8805,19 @@
             </a:r>
             <a:r>
               <a:rPr lang="en-US" altLang="zh-CN">
-                <a:hlinkClick r:id="rId5" tooltip="" action="ppaction://hlinkfile"/>
+                <a:hlinkClick r:id="rId5" action="ppaction://hlinkfile"/>
               </a:rPr>
               <a:t>“</a:t>
             </a:r>
             <a:r>
               <a:rPr lang="zh-CN" altLang="en-US">
-                <a:hlinkClick r:id="rId5" tooltip="" action="ppaction://hlinkfile"/>
+                <a:hlinkClick r:id="rId5" action="ppaction://hlinkfile"/>
               </a:rPr>
               <a:t>离线渲染</a:t>
             </a:r>
             <a:r>
               <a:rPr lang="en-US" altLang="zh-CN">
-                <a:hlinkClick r:id="rId5" tooltip="" action="ppaction://hlinkfile"/>
+                <a:hlinkClick r:id="rId5" action="ppaction://hlinkfile"/>
               </a:rPr>
               <a:t>”</a:t>
             </a:r>
@@ -9218,6 +9400,7 @@
               <a:rPr lang="zh-CN" altLang="en-US"/>
               <a:t>应用和游戏</a:t>
             </a:r>
+            <a:endParaRPr lang="zh-CN" altLang="en-US"/>
           </a:p>
           <a:p>
             <a:pPr marL="285750" indent="-285750" algn="l">
@@ -11405,15 +11588,15 @@
 
 <file path=ppt/tags/tag80.xml><?xml version="1.0" encoding="utf-8"?>
 <p:tagLst xmlns:p="http://schemas.openxmlformats.org/presentationml/2006/main">
-  <p:tag name="KSO_WM_SPECIAL_SOURCE" val="bdnull"/>
-</p:tagLst>
-</file>
-
-<file path=ppt/tags/tag81.xml><?xml version="1.0" encoding="utf-8"?>
-<p:tagLst xmlns:p="http://schemas.openxmlformats.org/presentationml/2006/main">
   <p:tag name="KSO_WM_BEAUTIFY_FLAG" val="#wm#"/>
   <p:tag name="KSO_WM_TEMPLATE_CATEGORY" val="custom"/>
   <p:tag name="KSO_WM_TEMPLATE_INDEX" val="20187308"/>
+  <p:tag name="KSO_WM_SPECIAL_SOURCE" val="bdnull"/>
+</p:tagLst>
+</file>
+
+<file path=ppt/tags/tag81.xml><?xml version="1.0" encoding="utf-8"?>
+<p:tagLst xmlns:p="http://schemas.openxmlformats.org/presentationml/2006/main">
   <p:tag name="KSO_WM_SPECIAL_SOURCE" val="bdnull"/>
 </p:tagLst>
 </file>
@@ -11446,6 +11629,15 @@
 </file>
 
 <file path=ppt/tags/tag85.xml><?xml version="1.0" encoding="utf-8"?>
+<p:tagLst xmlns:p="http://schemas.openxmlformats.org/presentationml/2006/main">
+  <p:tag name="KSO_WM_BEAUTIFY_FLAG" val="#wm#"/>
+  <p:tag name="KSO_WM_TEMPLATE_CATEGORY" val="custom"/>
+  <p:tag name="KSO_WM_TEMPLATE_INDEX" val="20187308"/>
+  <p:tag name="KSO_WM_SPECIAL_SOURCE" val="bdnull"/>
+</p:tagLst>
+</file>
+
+<file path=ppt/tags/tag86.xml><?xml version="1.0" encoding="utf-8"?>
 <p:tagLst xmlns:p="http://schemas.openxmlformats.org/presentationml/2006/main">
   <p:tag name="KSO_DOCER_TEMPLATE_OPEN_ONCE_MARK" val="1"/>
 </p:tagLst>

--- a/packages/introduce/课程介绍.pptx
+++ b/packages/introduce/课程介绍.pptx
@@ -8025,7 +8025,7 @@
           <a:p>
             <a:r>
               <a:rPr lang="zh-CN" altLang="en-US"/>
-              <a:t>课程介绍</a:t>
+              <a:t>第一节课：课程介绍</a:t>
             </a:r>
             <a:endParaRPr lang="zh-CN" altLang="en-US"/>
           </a:p>
